--- a/figures/article-figures/Fig1 Article.pptx
+++ b/figures/article-figures/Fig1 Article.pptx
@@ -197,7 +197,7 @@
           <a:p>
             <a:fld id="{B19977C2-3852-6343-8FB6-75798599EF47}" type="datetimeFigureOut">
               <a:rPr lang="en-US" smtClean="0"/>
-              <a:t>9/18/24</a:t>
+              <a:t>10/3/24</a:t>
             </a:fld>
             <a:endParaRPr lang="en-US"/>
           </a:p>
@@ -684,7 +684,7 @@
           <a:p>
             <a:fld id="{49D16157-31ED-214D-A6E8-583A2FDE31BF}" type="datetimeFigureOut">
               <a:rPr lang="en-US" smtClean="0"/>
-              <a:t>9/18/24</a:t>
+              <a:t>10/3/24</a:t>
             </a:fld>
             <a:endParaRPr lang="en-US"/>
           </a:p>
@@ -854,7 +854,7 @@
           <a:p>
             <a:fld id="{49D16157-31ED-214D-A6E8-583A2FDE31BF}" type="datetimeFigureOut">
               <a:rPr lang="en-US" smtClean="0"/>
-              <a:t>9/18/24</a:t>
+              <a:t>10/3/24</a:t>
             </a:fld>
             <a:endParaRPr lang="en-US"/>
           </a:p>
@@ -1034,7 +1034,7 @@
           <a:p>
             <a:fld id="{49D16157-31ED-214D-A6E8-583A2FDE31BF}" type="datetimeFigureOut">
               <a:rPr lang="en-US" smtClean="0"/>
-              <a:t>9/18/24</a:t>
+              <a:t>10/3/24</a:t>
             </a:fld>
             <a:endParaRPr lang="en-US"/>
           </a:p>
@@ -1204,7 +1204,7 @@
           <a:p>
             <a:fld id="{49D16157-31ED-214D-A6E8-583A2FDE31BF}" type="datetimeFigureOut">
               <a:rPr lang="en-US" smtClean="0"/>
-              <a:t>9/18/24</a:t>
+              <a:t>10/3/24</a:t>
             </a:fld>
             <a:endParaRPr lang="en-US"/>
           </a:p>
@@ -1450,7 +1450,7 @@
           <a:p>
             <a:fld id="{49D16157-31ED-214D-A6E8-583A2FDE31BF}" type="datetimeFigureOut">
               <a:rPr lang="en-US" smtClean="0"/>
-              <a:t>9/18/24</a:t>
+              <a:t>10/3/24</a:t>
             </a:fld>
             <a:endParaRPr lang="en-US"/>
           </a:p>
@@ -1682,7 +1682,7 @@
           <a:p>
             <a:fld id="{49D16157-31ED-214D-A6E8-583A2FDE31BF}" type="datetimeFigureOut">
               <a:rPr lang="en-US" smtClean="0"/>
-              <a:t>9/18/24</a:t>
+              <a:t>10/3/24</a:t>
             </a:fld>
             <a:endParaRPr lang="en-US"/>
           </a:p>
@@ -2049,7 +2049,7 @@
           <a:p>
             <a:fld id="{49D16157-31ED-214D-A6E8-583A2FDE31BF}" type="datetimeFigureOut">
               <a:rPr lang="en-US" smtClean="0"/>
-              <a:t>9/18/24</a:t>
+              <a:t>10/3/24</a:t>
             </a:fld>
             <a:endParaRPr lang="en-US"/>
           </a:p>
@@ -2167,7 +2167,7 @@
           <a:p>
             <a:fld id="{49D16157-31ED-214D-A6E8-583A2FDE31BF}" type="datetimeFigureOut">
               <a:rPr lang="en-US" smtClean="0"/>
-              <a:t>9/18/24</a:t>
+              <a:t>10/3/24</a:t>
             </a:fld>
             <a:endParaRPr lang="en-US"/>
           </a:p>
@@ -2262,7 +2262,7 @@
           <a:p>
             <a:fld id="{49D16157-31ED-214D-A6E8-583A2FDE31BF}" type="datetimeFigureOut">
               <a:rPr lang="en-US" smtClean="0"/>
-              <a:t>9/18/24</a:t>
+              <a:t>10/3/24</a:t>
             </a:fld>
             <a:endParaRPr lang="en-US"/>
           </a:p>
@@ -2539,7 +2539,7 @@
           <a:p>
             <a:fld id="{49D16157-31ED-214D-A6E8-583A2FDE31BF}" type="datetimeFigureOut">
               <a:rPr lang="en-US" smtClean="0"/>
-              <a:t>9/18/24</a:t>
+              <a:t>10/3/24</a:t>
             </a:fld>
             <a:endParaRPr lang="en-US"/>
           </a:p>
@@ -2796,7 +2796,7 @@
           <a:p>
             <a:fld id="{49D16157-31ED-214D-A6E8-583A2FDE31BF}" type="datetimeFigureOut">
               <a:rPr lang="en-US" smtClean="0"/>
-              <a:t>9/18/24</a:t>
+              <a:t>10/3/24</a:t>
             </a:fld>
             <a:endParaRPr lang="en-US"/>
           </a:p>
@@ -3009,7 +3009,7 @@
           <a:p>
             <a:fld id="{49D16157-31ED-214D-A6E8-583A2FDE31BF}" type="datetimeFigureOut">
               <a:rPr lang="en-US" smtClean="0"/>
-              <a:t>9/18/24</a:t>
+              <a:t>10/3/24</a:t>
             </a:fld>
             <a:endParaRPr lang="en-US"/>
           </a:p>
@@ -3459,13 +3459,13 @@
         </p:nvPicPr>
         <p:blipFill>
           <a:blip r:embed="rId4"/>
-          <a:srcRect t="11783" b="53261"/>
+          <a:srcRect t="12875" b="53724"/>
           <a:stretch/>
         </p:blipFill>
         <p:spPr>
           <a:xfrm>
-            <a:off x="12279" y="3472153"/>
-            <a:ext cx="6460340" cy="1912897"/>
+            <a:off x="12279" y="3557288"/>
+            <a:ext cx="6460340" cy="1827762"/>
           </a:xfrm>
           <a:prstGeom prst="rect">
             <a:avLst/>
@@ -3488,7 +3488,7 @@
         </p:nvPicPr>
         <p:blipFill>
           <a:blip r:embed="rId5"/>
-          <a:srcRect t="63965" b="24355"/>
+          <a:srcRect t="63961" b="24359"/>
           <a:stretch/>
         </p:blipFill>
         <p:spPr>
@@ -3640,7 +3640,7 @@
         </p:nvPicPr>
         <p:blipFill>
           <a:blip r:embed="rId6"/>
-          <a:srcRect t="79165" b="2917"/>
+          <a:srcRect t="79096" b="2986"/>
           <a:stretch/>
         </p:blipFill>
         <p:spPr>
@@ -3840,12 +3840,12 @@
             <a:r>
               <a:rPr lang="en-US" sz="700" dirty="0">
                 <a:solidFill>
-                  <a:srgbClr val="F1807F"/>
+                  <a:srgbClr val="7B68EE"/>
                 </a:solidFill>
                 <a:latin typeface="Arial" panose="020B0604020202020204" pitchFamily="34" charset="0"/>
                 <a:cs typeface="Arial" panose="020B0604020202020204" pitchFamily="34" charset="0"/>
               </a:rPr>
-              <a:t>Over</a:t>
+              <a:t>Under</a:t>
             </a:r>
           </a:p>
         </p:txBody>
@@ -3881,12 +3881,12 @@
             <a:r>
               <a:rPr lang="en-US" sz="700" dirty="0">
                 <a:solidFill>
-                  <a:srgbClr val="7B68EE"/>
+                  <a:srgbClr val="F1807F"/>
                 </a:solidFill>
                 <a:latin typeface="Arial" panose="020B0604020202020204" pitchFamily="34" charset="0"/>
                 <a:cs typeface="Arial" panose="020B0604020202020204" pitchFamily="34" charset="0"/>
               </a:rPr>
-              <a:t>Under</a:t>
+              <a:t>Over</a:t>
             </a:r>
           </a:p>
         </p:txBody>
@@ -4272,7 +4272,7 @@
         </p:nvSpPr>
         <p:spPr>
           <a:xfrm>
-            <a:off x="2579845" y="6389098"/>
+            <a:off x="3865690" y="6389098"/>
             <a:ext cx="528851" cy="200055"/>
           </a:xfrm>
           <a:prstGeom prst="rect">
@@ -4323,7 +4323,7 @@
         </p:nvSpPr>
         <p:spPr>
           <a:xfrm>
-            <a:off x="3675689" y="6438363"/>
+            <a:off x="2577535" y="6438363"/>
             <a:ext cx="669405" cy="200055"/>
           </a:xfrm>
           <a:prstGeom prst="rect">
